--- a/docs/Olympic Basketball.pptx
+++ b/docs/Olympic Basketball.pptx
@@ -5,7 +5,7 @@
     <p:sldMasterId id="2147483648" r:id="rId1"/>
   </p:sldMasterIdLst>
   <p:notesMasterIdLst>
-    <p:notesMasterId r:id="rId15"/>
+    <p:notesMasterId r:id="rId16"/>
   </p:notesMasterIdLst>
   <p:sldIdLst>
     <p:sldId id="256" r:id="rId2"/>
@@ -21,6 +21,7 @@
     <p:sldId id="264" r:id="rId12"/>
     <p:sldId id="267" r:id="rId13"/>
     <p:sldId id="261" r:id="rId14"/>
+    <p:sldId id="270" r:id="rId15"/>
   </p:sldIdLst>
   <p:sldSz cx="12192000" cy="6858000"/>
   <p:notesSz cx="6858000" cy="9144000"/>
@@ -119,7 +120,169 @@
       </a:defRPr>
     </a:lvl9pPr>
   </p:defaultTextStyle>
+  <p:extLst>
+    <p:ext uri="{EFAFB233-063F-42B5-8137-9DF3F51BA10A}">
+      <p15:sldGuideLst xmlns:p15="http://schemas.microsoft.com/office/powerpoint/2012/main"/>
+    </p:ext>
+  </p:extLst>
 </p:presentation>
+</file>
+
+<file path=ppt/revisionInfo.xml><?xml version="1.0" encoding="utf-8"?>
+<p1510:revInfo xmlns:a="http://schemas.openxmlformats.org/drawingml/2006/main" xmlns:r="http://schemas.openxmlformats.org/officeDocument/2006/relationships" xmlns:p1510="http://schemas.microsoft.com/office/powerpoint/2015/10/main">
+  <p1510:revLst>
+    <p1510:client id="{7E891DE8-2BDD-41FB-AA5F-371F2ACDF2ED}" v="3" dt="2021-08-10T23:21:22.427"/>
+  </p1510:revLst>
+</p1510:revInfo>
+</file>
+
+<file path=ppt/changesInfos/changesInfo1.xml><?xml version="1.0" encoding="utf-8"?>
+<pc:chgInfo xmlns:a="http://schemas.openxmlformats.org/drawingml/2006/main" xmlns:r="http://schemas.openxmlformats.org/officeDocument/2006/relationships" xmlns:ac="http://schemas.microsoft.com/office/drawing/2013/main/command" xmlns:pc="http://schemas.microsoft.com/office/powerpoint/2013/main/command">
+  <pc:docChgLst>
+    <pc:chgData name="Robert Hugh Riddell" userId="10b8bca60ec8b3c5" providerId="LiveId" clId="{7E891DE8-2BDD-41FB-AA5F-371F2ACDF2ED}"/>
+    <pc:docChg chg="undo custSel addSld modSld sldOrd">
+      <pc:chgData name="Robert Hugh Riddell" userId="10b8bca60ec8b3c5" providerId="LiveId" clId="{7E891DE8-2BDD-41FB-AA5F-371F2ACDF2ED}" dt="2021-08-10T23:29:29.253" v="229" actId="20577"/>
+      <pc:docMkLst>
+        <pc:docMk/>
+      </pc:docMkLst>
+      <pc:sldChg chg="modSp mod">
+        <pc:chgData name="Robert Hugh Riddell" userId="10b8bca60ec8b3c5" providerId="LiveId" clId="{7E891DE8-2BDD-41FB-AA5F-371F2ACDF2ED}" dt="2021-08-10T23:29:29.253" v="229" actId="20577"/>
+        <pc:sldMkLst>
+          <pc:docMk/>
+          <pc:sldMk cId="3209674386" sldId="256"/>
+        </pc:sldMkLst>
+        <pc:spChg chg="mod">
+          <ac:chgData name="Robert Hugh Riddell" userId="10b8bca60ec8b3c5" providerId="LiveId" clId="{7E891DE8-2BDD-41FB-AA5F-371F2ACDF2ED}" dt="2021-08-10T23:29:29.253" v="229" actId="20577"/>
+          <ac:spMkLst>
+            <pc:docMk/>
+            <pc:sldMk cId="3209674386" sldId="256"/>
+            <ac:spMk id="2" creationId="{6CC84052-797F-44D1-983F-CF05C347ACAC}"/>
+          </ac:spMkLst>
+        </pc:spChg>
+      </pc:sldChg>
+      <pc:sldChg chg="modSp mod">
+        <pc:chgData name="Robert Hugh Riddell" userId="10b8bca60ec8b3c5" providerId="LiveId" clId="{7E891DE8-2BDD-41FB-AA5F-371F2ACDF2ED}" dt="2021-08-10T23:22:27.320" v="194" actId="20577"/>
+        <pc:sldMkLst>
+          <pc:docMk/>
+          <pc:sldMk cId="572762935" sldId="258"/>
+        </pc:sldMkLst>
+        <pc:spChg chg="mod">
+          <ac:chgData name="Robert Hugh Riddell" userId="10b8bca60ec8b3c5" providerId="LiveId" clId="{7E891DE8-2BDD-41FB-AA5F-371F2ACDF2ED}" dt="2021-08-10T23:22:27.320" v="194" actId="20577"/>
+          <ac:spMkLst>
+            <pc:docMk/>
+            <pc:sldMk cId="572762935" sldId="258"/>
+            <ac:spMk id="3" creationId="{9639F742-9508-49D0-9E8E-8739B2807BBB}"/>
+          </ac:spMkLst>
+        </pc:spChg>
+      </pc:sldChg>
+      <pc:sldChg chg="modSp mod">
+        <pc:chgData name="Robert Hugh Riddell" userId="10b8bca60ec8b3c5" providerId="LiveId" clId="{7E891DE8-2BDD-41FB-AA5F-371F2ACDF2ED}" dt="2021-08-10T23:03:24.469" v="2" actId="20577"/>
+        <pc:sldMkLst>
+          <pc:docMk/>
+          <pc:sldMk cId="1803103129" sldId="259"/>
+        </pc:sldMkLst>
+        <pc:spChg chg="mod">
+          <ac:chgData name="Robert Hugh Riddell" userId="10b8bca60ec8b3c5" providerId="LiveId" clId="{7E891DE8-2BDD-41FB-AA5F-371F2ACDF2ED}" dt="2021-08-10T23:03:24.469" v="2" actId="20577"/>
+          <ac:spMkLst>
+            <pc:docMk/>
+            <pc:sldMk cId="1803103129" sldId="259"/>
+            <ac:spMk id="3" creationId="{6F199A25-3830-43C6-831B-0711B7D55BD7}"/>
+          </ac:spMkLst>
+        </pc:spChg>
+      </pc:sldChg>
+      <pc:sldChg chg="modSp mod">
+        <pc:chgData name="Robert Hugh Riddell" userId="10b8bca60ec8b3c5" providerId="LiveId" clId="{7E891DE8-2BDD-41FB-AA5F-371F2ACDF2ED}" dt="2021-08-10T23:03:33.486" v="5" actId="20577"/>
+        <pc:sldMkLst>
+          <pc:docMk/>
+          <pc:sldMk cId="2207873735" sldId="260"/>
+        </pc:sldMkLst>
+        <pc:spChg chg="mod">
+          <ac:chgData name="Robert Hugh Riddell" userId="10b8bca60ec8b3c5" providerId="LiveId" clId="{7E891DE8-2BDD-41FB-AA5F-371F2ACDF2ED}" dt="2021-08-10T23:03:33.486" v="5" actId="20577"/>
+          <ac:spMkLst>
+            <pc:docMk/>
+            <pc:sldMk cId="2207873735" sldId="260"/>
+            <ac:spMk id="3" creationId="{D82A870F-BB65-4BDF-8BDF-32B459F1C617}"/>
+          </ac:spMkLst>
+        </pc:spChg>
+      </pc:sldChg>
+      <pc:sldChg chg="modSp mod ord">
+        <pc:chgData name="Robert Hugh Riddell" userId="10b8bca60ec8b3c5" providerId="LiveId" clId="{7E891DE8-2BDD-41FB-AA5F-371F2ACDF2ED}" dt="2021-08-10T23:29:21.440" v="209"/>
+        <pc:sldMkLst>
+          <pc:docMk/>
+          <pc:sldMk cId="4204713045" sldId="261"/>
+        </pc:sldMkLst>
+        <pc:spChg chg="mod">
+          <ac:chgData name="Robert Hugh Riddell" userId="10b8bca60ec8b3c5" providerId="LiveId" clId="{7E891DE8-2BDD-41FB-AA5F-371F2ACDF2ED}" dt="2021-08-10T23:29:12.177" v="207" actId="20577"/>
+          <ac:spMkLst>
+            <pc:docMk/>
+            <pc:sldMk cId="4204713045" sldId="261"/>
+            <ac:spMk id="3" creationId="{99D2CD7D-E641-4C15-8047-53B63B9917BB}"/>
+          </ac:spMkLst>
+        </pc:spChg>
+      </pc:sldChg>
+      <pc:sldChg chg="modSp mod">
+        <pc:chgData name="Robert Hugh Riddell" userId="10b8bca60ec8b3c5" providerId="LiveId" clId="{7E891DE8-2BDD-41FB-AA5F-371F2ACDF2ED}" dt="2021-08-10T23:10:22.173" v="116" actId="20577"/>
+        <pc:sldMkLst>
+          <pc:docMk/>
+          <pc:sldMk cId="1426936972" sldId="262"/>
+        </pc:sldMkLst>
+        <pc:spChg chg="mod">
+          <ac:chgData name="Robert Hugh Riddell" userId="10b8bca60ec8b3c5" providerId="LiveId" clId="{7E891DE8-2BDD-41FB-AA5F-371F2ACDF2ED}" dt="2021-08-10T23:10:22.173" v="116" actId="20577"/>
+          <ac:spMkLst>
+            <pc:docMk/>
+            <pc:sldMk cId="1426936972" sldId="262"/>
+            <ac:spMk id="3" creationId="{3A0A1C64-9558-4358-BA4C-93F9FF959F61}"/>
+          </ac:spMkLst>
+        </pc:spChg>
+      </pc:sldChg>
+      <pc:sldChg chg="modSp mod">
+        <pc:chgData name="Robert Hugh Riddell" userId="10b8bca60ec8b3c5" providerId="LiveId" clId="{7E891DE8-2BDD-41FB-AA5F-371F2ACDF2ED}" dt="2021-08-10T23:03:50.738" v="6" actId="1076"/>
+        <pc:sldMkLst>
+          <pc:docMk/>
+          <pc:sldMk cId="766201651" sldId="263"/>
+        </pc:sldMkLst>
+        <pc:graphicFrameChg chg="mod">
+          <ac:chgData name="Robert Hugh Riddell" userId="10b8bca60ec8b3c5" providerId="LiveId" clId="{7E891DE8-2BDD-41FB-AA5F-371F2ACDF2ED}" dt="2021-08-10T23:03:50.738" v="6" actId="1076"/>
+          <ac:graphicFrameMkLst>
+            <pc:docMk/>
+            <pc:sldMk cId="766201651" sldId="263"/>
+            <ac:graphicFrameMk id="5" creationId="{A1487942-0221-44E5-8635-79B70652B791}"/>
+          </ac:graphicFrameMkLst>
+        </pc:graphicFrameChg>
+      </pc:sldChg>
+      <pc:sldChg chg="modSp mod">
+        <pc:chgData name="Robert Hugh Riddell" userId="10b8bca60ec8b3c5" providerId="LiveId" clId="{7E891DE8-2BDD-41FB-AA5F-371F2ACDF2ED}" dt="2021-08-10T23:11:09.216" v="120" actId="20577"/>
+        <pc:sldMkLst>
+          <pc:docMk/>
+          <pc:sldMk cId="190544514" sldId="267"/>
+        </pc:sldMkLst>
+        <pc:spChg chg="mod">
+          <ac:chgData name="Robert Hugh Riddell" userId="10b8bca60ec8b3c5" providerId="LiveId" clId="{7E891DE8-2BDD-41FB-AA5F-371F2ACDF2ED}" dt="2021-08-10T23:11:09.216" v="120" actId="20577"/>
+          <ac:spMkLst>
+            <pc:docMk/>
+            <pc:sldMk cId="190544514" sldId="267"/>
+            <ac:spMk id="3" creationId="{2EAC1CF5-E4D6-44B9-995F-1246CA557A9C}"/>
+          </ac:spMkLst>
+        </pc:spChg>
+      </pc:sldChg>
+      <pc:sldChg chg="modSp new mod">
+        <pc:chgData name="Robert Hugh Riddell" userId="10b8bca60ec8b3c5" providerId="LiveId" clId="{7E891DE8-2BDD-41FB-AA5F-371F2ACDF2ED}" dt="2021-08-10T23:21:22.427" v="193" actId="20577"/>
+        <pc:sldMkLst>
+          <pc:docMk/>
+          <pc:sldMk cId="3580445860" sldId="270"/>
+        </pc:sldMkLst>
+        <pc:spChg chg="mod">
+          <ac:chgData name="Robert Hugh Riddell" userId="10b8bca60ec8b3c5" providerId="LiveId" clId="{7E891DE8-2BDD-41FB-AA5F-371F2ACDF2ED}" dt="2021-08-10T23:21:22.427" v="193" actId="20577"/>
+          <ac:spMkLst>
+            <pc:docMk/>
+            <pc:sldMk cId="3580445860" sldId="270"/>
+            <ac:spMk id="3" creationId="{E31C5A37-96B4-4C2D-8BA6-77BA4CED9128}"/>
+          </ac:spMkLst>
+        </pc:spChg>
+      </pc:sldChg>
+    </pc:docChg>
+  </pc:docChgLst>
+</pc:chgInfo>
 </file>
 
 <file path=ppt/notesMasters/notesMaster1.xml><?xml version="1.0" encoding="utf-8"?>
@@ -204,7 +367,7 @@
           <a:p>
             <a:fld id="{9B170666-9438-44C7-A93D-9F05961DBF40}" type="datetimeFigureOut">
               <a:rPr lang="en-AU" smtClean="0"/>
-              <a:t>10/08/2021</a:t>
+              <a:t>11/08/2021</a:t>
             </a:fld>
             <a:endParaRPr lang="en-AU"/>
           </a:p>
@@ -708,7 +871,7 @@
           <a:p>
             <a:fld id="{E27451EB-115C-429E-963F-ABE97D38288C}" type="datetimeFigureOut">
               <a:rPr lang="en-AU" smtClean="0"/>
-              <a:t>10/08/2021</a:t>
+              <a:t>11/08/2021</a:t>
             </a:fld>
             <a:endParaRPr lang="en-AU"/>
           </a:p>
@@ -908,7 +1071,7 @@
           <a:p>
             <a:fld id="{E27451EB-115C-429E-963F-ABE97D38288C}" type="datetimeFigureOut">
               <a:rPr lang="en-AU" smtClean="0"/>
-              <a:t>10/08/2021</a:t>
+              <a:t>11/08/2021</a:t>
             </a:fld>
             <a:endParaRPr lang="en-AU"/>
           </a:p>
@@ -1118,7 +1281,7 @@
           <a:p>
             <a:fld id="{E27451EB-115C-429E-963F-ABE97D38288C}" type="datetimeFigureOut">
               <a:rPr lang="en-AU" smtClean="0"/>
-              <a:t>10/08/2021</a:t>
+              <a:t>11/08/2021</a:t>
             </a:fld>
             <a:endParaRPr lang="en-AU"/>
           </a:p>
@@ -1318,7 +1481,7 @@
           <a:p>
             <a:fld id="{E27451EB-115C-429E-963F-ABE97D38288C}" type="datetimeFigureOut">
               <a:rPr lang="en-AU" smtClean="0"/>
-              <a:t>10/08/2021</a:t>
+              <a:t>11/08/2021</a:t>
             </a:fld>
             <a:endParaRPr lang="en-AU"/>
           </a:p>
@@ -1594,7 +1757,7 @@
           <a:p>
             <a:fld id="{E27451EB-115C-429E-963F-ABE97D38288C}" type="datetimeFigureOut">
               <a:rPr lang="en-AU" smtClean="0"/>
-              <a:t>10/08/2021</a:t>
+              <a:t>11/08/2021</a:t>
             </a:fld>
             <a:endParaRPr lang="en-AU"/>
           </a:p>
@@ -1862,7 +2025,7 @@
           <a:p>
             <a:fld id="{E27451EB-115C-429E-963F-ABE97D38288C}" type="datetimeFigureOut">
               <a:rPr lang="en-AU" smtClean="0"/>
-              <a:t>10/08/2021</a:t>
+              <a:t>11/08/2021</a:t>
             </a:fld>
             <a:endParaRPr lang="en-AU"/>
           </a:p>
@@ -2277,7 +2440,7 @@
           <a:p>
             <a:fld id="{E27451EB-115C-429E-963F-ABE97D38288C}" type="datetimeFigureOut">
               <a:rPr lang="en-AU" smtClean="0"/>
-              <a:t>10/08/2021</a:t>
+              <a:t>11/08/2021</a:t>
             </a:fld>
             <a:endParaRPr lang="en-AU"/>
           </a:p>
@@ -2419,7 +2582,7 @@
           <a:p>
             <a:fld id="{E27451EB-115C-429E-963F-ABE97D38288C}" type="datetimeFigureOut">
               <a:rPr lang="en-AU" smtClean="0"/>
-              <a:t>10/08/2021</a:t>
+              <a:t>11/08/2021</a:t>
             </a:fld>
             <a:endParaRPr lang="en-AU"/>
           </a:p>
@@ -2532,7 +2695,7 @@
           <a:p>
             <a:fld id="{E27451EB-115C-429E-963F-ABE97D38288C}" type="datetimeFigureOut">
               <a:rPr lang="en-AU" smtClean="0"/>
-              <a:t>10/08/2021</a:t>
+              <a:t>11/08/2021</a:t>
             </a:fld>
             <a:endParaRPr lang="en-AU"/>
           </a:p>
@@ -2845,7 +3008,7 @@
           <a:p>
             <a:fld id="{E27451EB-115C-429E-963F-ABE97D38288C}" type="datetimeFigureOut">
               <a:rPr lang="en-AU" smtClean="0"/>
-              <a:t>10/08/2021</a:t>
+              <a:t>11/08/2021</a:t>
             </a:fld>
             <a:endParaRPr lang="en-AU"/>
           </a:p>
@@ -3134,7 +3297,7 @@
           <a:p>
             <a:fld id="{E27451EB-115C-429E-963F-ABE97D38288C}" type="datetimeFigureOut">
               <a:rPr lang="en-AU" smtClean="0"/>
-              <a:t>10/08/2021</a:t>
+              <a:t>11/08/2021</a:t>
             </a:fld>
             <a:endParaRPr lang="en-AU"/>
           </a:p>
@@ -3377,7 +3540,7 @@
           <a:p>
             <a:fld id="{E27451EB-115C-429E-963F-ABE97D38288C}" type="datetimeFigureOut">
               <a:rPr lang="en-AU" smtClean="0"/>
-              <a:t>10/08/2021</a:t>
+              <a:t>11/08/2021</a:t>
             </a:fld>
             <a:endParaRPr lang="en-AU"/>
           </a:p>
@@ -3815,7 +3978,10 @@
           <a:bodyPr/>
           <a:lstStyle/>
           <a:p>
-            <a:endParaRPr lang="en-AU"/>
+            <a:r>
+              <a:rPr lang="en-AU" dirty="0"/>
+              <a:t>WHAT IT TAKES TO WIN</a:t>
+            </a:r>
           </a:p>
         </p:txBody>
       </p:sp>
@@ -3975,13 +4141,13 @@
           <p:nvPr>
             <p:extLst>
               <p:ext uri="{D42A27DB-BD31-4B8C-83A1-F6EECF244321}">
-                <p14:modId xmlns:p14="http://schemas.microsoft.com/office/powerpoint/2010/main" val="4116542850"/>
+                <p14:modId xmlns:p14="http://schemas.microsoft.com/office/powerpoint/2010/main" val="2643280295"/>
               </p:ext>
             </p:extLst>
           </p:nvPr>
         </p:nvGraphicFramePr>
         <p:xfrm>
-          <a:off x="3688422" y="2918335"/>
+          <a:off x="7731612" y="3204773"/>
           <a:ext cx="3543441" cy="1345440"/>
         </p:xfrm>
         <a:graphic>
@@ -4361,7 +4527,23 @@
           <a:p>
             <a:r>
               <a:rPr lang="en-AU" dirty="0"/>
-              <a:t>Based on the variable importance from the models the stats that are the best predictors of points and w/l is PER, DRB, Ft-P, FTA, </a:t>
+              <a:t>Based on the variable importance from the models the stats that are the best predictors of points </a:t>
+            </a:r>
+            <a:r>
+              <a:rPr lang="en-AU"/>
+              <a:t>and W/</a:t>
+            </a:r>
+            <a:r>
+              <a:rPr lang="en-AU" dirty="0"/>
+              <a:t>L</a:t>
+            </a:r>
+            <a:r>
+              <a:rPr lang="en-AU"/>
+              <a:t> </a:t>
+            </a:r>
+            <a:r>
+              <a:rPr lang="en-AU" dirty="0"/>
+              <a:t>is PER, DRB, Ft-P, FTA, </a:t>
             </a:r>
             <a:r>
               <a:rPr lang="en-AU" dirty="0" err="1"/>
@@ -4522,7 +4704,7 @@
           <a:p>
             <a:r>
               <a:rPr lang="en-AU" dirty="0"/>
-              <a:t>Analysis of leagues medal winning players compete in</a:t>
+              <a:t>Analysis of the domestic leagues the medal winning players compete in</a:t>
             </a:r>
           </a:p>
           <a:p>
@@ -4536,6 +4718,12 @@
             <a:r>
               <a:rPr lang="en-AU" dirty="0"/>
               <a:t>league coefficients</a:t>
+            </a:r>
+          </a:p>
+          <a:p>
+            <a:r>
+              <a:rPr lang="en-AU" dirty="0"/>
+              <a:t>Does Junior international success translate to senior success. </a:t>
             </a:r>
           </a:p>
           <a:p>
@@ -4548,6 +4736,123 @@
     <p:extLst>
       <p:ext uri="{BB962C8B-B14F-4D97-AF65-F5344CB8AC3E}">
         <p14:creationId xmlns:p14="http://schemas.microsoft.com/office/powerpoint/2010/main" val="4204713045"/>
+      </p:ext>
+    </p:extLst>
+  </p:cSld>
+  <p:clrMapOvr>
+    <a:masterClrMapping/>
+  </p:clrMapOvr>
+</p:sld>
+</file>
+
+<file path=ppt/slides/slide14.xml><?xml version="1.0" encoding="utf-8"?>
+<p:sld xmlns:a="http://schemas.openxmlformats.org/drawingml/2006/main" xmlns:r="http://schemas.openxmlformats.org/officeDocument/2006/relationships" xmlns:p="http://schemas.openxmlformats.org/presentationml/2006/main">
+  <p:cSld>
+    <p:spTree>
+      <p:nvGrpSpPr>
+        <p:cNvPr id="1" name=""/>
+        <p:cNvGrpSpPr/>
+        <p:nvPr/>
+      </p:nvGrpSpPr>
+      <p:grpSpPr>
+        <a:xfrm>
+          <a:off x="0" y="0"/>
+          <a:ext cx="0" cy="0"/>
+          <a:chOff x="0" y="0"/>
+          <a:chExt cx="0" cy="0"/>
+        </a:xfrm>
+      </p:grpSpPr>
+      <p:sp>
+        <p:nvSpPr>
+          <p:cNvPr id="2" name="Title 1">
+            <a:extLst>
+              <a:ext uri="{FF2B5EF4-FFF2-40B4-BE49-F238E27FC236}">
+                <a16:creationId xmlns:a16="http://schemas.microsoft.com/office/drawing/2014/main" id="{F0C95C08-8379-4840-AC08-173AE2D38F13}"/>
+              </a:ext>
+            </a:extLst>
+          </p:cNvPr>
+          <p:cNvSpPr>
+            <a:spLocks noGrp="1"/>
+          </p:cNvSpPr>
+          <p:nvPr>
+            <p:ph type="title"/>
+          </p:nvPr>
+        </p:nvSpPr>
+        <p:spPr/>
+        <p:txBody>
+          <a:bodyPr/>
+          <a:lstStyle/>
+          <a:p>
+            <a:endParaRPr lang="en-AU"/>
+          </a:p>
+        </p:txBody>
+      </p:sp>
+      <p:sp>
+        <p:nvSpPr>
+          <p:cNvPr id="3" name="Content Placeholder 2">
+            <a:extLst>
+              <a:ext uri="{FF2B5EF4-FFF2-40B4-BE49-F238E27FC236}">
+                <a16:creationId xmlns:a16="http://schemas.microsoft.com/office/drawing/2014/main" id="{E31C5A37-96B4-4C2D-8BA6-77BA4CED9128}"/>
+              </a:ext>
+            </a:extLst>
+          </p:cNvPr>
+          <p:cNvSpPr>
+            <a:spLocks noGrp="1"/>
+          </p:cNvSpPr>
+          <p:nvPr>
+            <p:ph idx="1"/>
+          </p:nvPr>
+        </p:nvSpPr>
+        <p:spPr/>
+        <p:txBody>
+          <a:bodyPr/>
+          <a:lstStyle/>
+          <a:p>
+            <a:r>
+              <a:rPr lang="en-AU" dirty="0"/>
+              <a:t>Shiny URL</a:t>
+            </a:r>
+          </a:p>
+          <a:p>
+            <a:r>
+              <a:rPr lang="en-AU" dirty="0">
+                <a:hlinkClick r:id="rId2"/>
+              </a:rPr>
+              <a:t>https://sport-data-insights.shinyapps.io/Basketball_Exploratory_Data_Analysis/</a:t>
+            </a:r>
+            <a:endParaRPr lang="en-AU" dirty="0"/>
+          </a:p>
+          <a:p>
+            <a:endParaRPr lang="en-AU" dirty="0"/>
+          </a:p>
+          <a:p>
+            <a:r>
+              <a:rPr lang="en-AU" dirty="0" err="1"/>
+              <a:t>Github</a:t>
+            </a:r>
+            <a:r>
+              <a:rPr lang="en-AU" dirty="0"/>
+              <a:t> repository</a:t>
+            </a:r>
+          </a:p>
+          <a:p>
+            <a:r>
+              <a:rPr lang="en-AU" dirty="0">
+                <a:hlinkClick r:id="rId3"/>
+              </a:rPr>
+              <a:t>https://github.com/RobertRiddell/Olympic-Basketball</a:t>
+            </a:r>
+            <a:endParaRPr lang="en-AU" dirty="0"/>
+          </a:p>
+          <a:p>
+            <a:endParaRPr lang="en-AU" dirty="0"/>
+          </a:p>
+        </p:txBody>
+      </p:sp>
+    </p:spTree>
+    <p:extLst>
+      <p:ext uri="{BB962C8B-B14F-4D97-AF65-F5344CB8AC3E}">
+        <p14:creationId xmlns:p14="http://schemas.microsoft.com/office/powerpoint/2010/main" val="3580445860"/>
       </p:ext>
     </p:extLst>
   </p:cSld>
@@ -4767,7 +5072,7 @@
           <a:p>
             <a:r>
               <a:rPr lang="en-AU" dirty="0"/>
-              <a:t>Assess the statistical similarity teams that have a top 4 finish possess</a:t>
+              <a:t>Assess the statistical similarity teams that have a top 4 finish</a:t>
             </a:r>
           </a:p>
           <a:p>
@@ -6468,8 +6773,18 @@
           <a:p>
             <a:r>
               <a:rPr lang="en-AU" dirty="0"/>
-              <a:t>Using the shiny</a:t>
-            </a:r>
+              <a:t>Using the shiny </a:t>
+            </a:r>
+            <a:r>
+              <a:rPr lang="en-AU" dirty="0">
+                <a:hlinkClick r:id="rId2"/>
+              </a:rPr>
+              <a:t>https://sport-data-insights.shinyapps.io/Basketball_Exploratory_Data_Analysis/</a:t>
+            </a:r>
+            <a:endParaRPr lang="en-AU" dirty="0"/>
+          </a:p>
+          <a:p>
+            <a:endParaRPr lang="en-AU" dirty="0"/>
           </a:p>
           <a:p>
             <a:r>
@@ -6615,7 +6930,7 @@
           <a:p>
             <a:r>
               <a:rPr lang="en-AU" dirty="0"/>
-              <a:t>The final results being the linear model can predict a teams points to 1.9</a:t>
+              <a:t>The final results being the linear model can predict a teams points to ~1.9 each time.</a:t>
             </a:r>
           </a:p>
         </p:txBody>
@@ -6971,8 +7286,18 @@
           <a:p>
             <a:r>
               <a:rPr lang="en-AU" dirty="0"/>
-              <a:t>Use the shiny to point out a few key similarities and differences.</a:t>
-            </a:r>
+              <a:t>Use the shiny to point out a few key similarities and differences. </a:t>
+            </a:r>
+            <a:r>
+              <a:rPr lang="en-AU" dirty="0">
+                <a:hlinkClick r:id="rId2"/>
+              </a:rPr>
+              <a:t>https://sport-data-insights.shinyapps.io/Basketball_Exploratory_Data_Analysis/</a:t>
+            </a:r>
+            <a:endParaRPr lang="en-AU" dirty="0"/>
+          </a:p>
+          <a:p>
+            <a:endParaRPr lang="en-AU" dirty="0"/>
           </a:p>
           <a:p>
             <a:r>

--- a/docs/Olympic Basketball.pptx
+++ b/docs/Olympic Basketball.pptx
@@ -141,12 +141,12 @@
   <pc:docChgLst>
     <pc:chgData name="Robert Hugh Riddell" userId="10b8bca60ec8b3c5" providerId="LiveId" clId="{7E891DE8-2BDD-41FB-AA5F-371F2ACDF2ED}"/>
     <pc:docChg chg="undo custSel addSld modSld sldOrd">
-      <pc:chgData name="Robert Hugh Riddell" userId="10b8bca60ec8b3c5" providerId="LiveId" clId="{7E891DE8-2BDD-41FB-AA5F-371F2ACDF2ED}" dt="2021-08-10T23:29:29.253" v="229" actId="20577"/>
+      <pc:chgData name="Robert Hugh Riddell" userId="10b8bca60ec8b3c5" providerId="LiveId" clId="{7E891DE8-2BDD-41FB-AA5F-371F2ACDF2ED}" dt="2021-08-11T03:59:16.825" v="352" actId="20577"/>
       <pc:docMkLst>
         <pc:docMk/>
       </pc:docMkLst>
       <pc:sldChg chg="modSp mod">
-        <pc:chgData name="Robert Hugh Riddell" userId="10b8bca60ec8b3c5" providerId="LiveId" clId="{7E891DE8-2BDD-41FB-AA5F-371F2ACDF2ED}" dt="2021-08-10T23:29:29.253" v="229" actId="20577"/>
+        <pc:chgData name="Robert Hugh Riddell" userId="10b8bca60ec8b3c5" providerId="LiveId" clId="{7E891DE8-2BDD-41FB-AA5F-371F2ACDF2ED}" dt="2021-08-11T02:38:59.848" v="231" actId="1076"/>
         <pc:sldMkLst>
           <pc:docMk/>
           <pc:sldMk cId="3209674386" sldId="256"/>
@@ -159,15 +159,38 @@
             <ac:spMk id="2" creationId="{6CC84052-797F-44D1-983F-CF05C347ACAC}"/>
           </ac:spMkLst>
         </pc:spChg>
+        <pc:spChg chg="mod">
+          <ac:chgData name="Robert Hugh Riddell" userId="10b8bca60ec8b3c5" providerId="LiveId" clId="{7E891DE8-2BDD-41FB-AA5F-371F2ACDF2ED}" dt="2021-08-11T02:38:59.848" v="231" actId="1076"/>
+          <ac:spMkLst>
+            <pc:docMk/>
+            <pc:sldMk cId="3209674386" sldId="256"/>
+            <ac:spMk id="3" creationId="{2B5ED05D-B2E7-41DB-9AF9-E7CF891F09C9}"/>
+          </ac:spMkLst>
+        </pc:spChg>
       </pc:sldChg>
       <pc:sldChg chg="modSp mod">
-        <pc:chgData name="Robert Hugh Riddell" userId="10b8bca60ec8b3c5" providerId="LiveId" clId="{7E891DE8-2BDD-41FB-AA5F-371F2ACDF2ED}" dt="2021-08-10T23:22:27.320" v="194" actId="20577"/>
+        <pc:chgData name="Robert Hugh Riddell" userId="10b8bca60ec8b3c5" providerId="LiveId" clId="{7E891DE8-2BDD-41FB-AA5F-371F2ACDF2ED}" dt="2021-08-11T03:54:06.706" v="278" actId="20577"/>
+        <pc:sldMkLst>
+          <pc:docMk/>
+          <pc:sldMk cId="3465445200" sldId="257"/>
+        </pc:sldMkLst>
+        <pc:spChg chg="mod">
+          <ac:chgData name="Robert Hugh Riddell" userId="10b8bca60ec8b3c5" providerId="LiveId" clId="{7E891DE8-2BDD-41FB-AA5F-371F2ACDF2ED}" dt="2021-08-11T03:54:06.706" v="278" actId="20577"/>
+          <ac:spMkLst>
+            <pc:docMk/>
+            <pc:sldMk cId="3465445200" sldId="257"/>
+            <ac:spMk id="3" creationId="{07846504-26BC-465E-B9E2-ADD97B45FD6B}"/>
+          </ac:spMkLst>
+        </pc:spChg>
+      </pc:sldChg>
+      <pc:sldChg chg="modSp mod">
+        <pc:chgData name="Robert Hugh Riddell" userId="10b8bca60ec8b3c5" providerId="LiveId" clId="{7E891DE8-2BDD-41FB-AA5F-371F2ACDF2ED}" dt="2021-08-11T03:55:48.436" v="330" actId="20577"/>
         <pc:sldMkLst>
           <pc:docMk/>
           <pc:sldMk cId="572762935" sldId="258"/>
         </pc:sldMkLst>
         <pc:spChg chg="mod">
-          <ac:chgData name="Robert Hugh Riddell" userId="10b8bca60ec8b3c5" providerId="LiveId" clId="{7E891DE8-2BDD-41FB-AA5F-371F2ACDF2ED}" dt="2021-08-10T23:22:27.320" v="194" actId="20577"/>
+          <ac:chgData name="Robert Hugh Riddell" userId="10b8bca60ec8b3c5" providerId="LiveId" clId="{7E891DE8-2BDD-41FB-AA5F-371F2ACDF2ED}" dt="2021-08-11T03:55:48.436" v="330" actId="20577"/>
           <ac:spMkLst>
             <pc:docMk/>
             <pc:sldMk cId="572762935" sldId="258"/>
@@ -206,13 +229,13 @@
         </pc:spChg>
       </pc:sldChg>
       <pc:sldChg chg="modSp mod ord">
-        <pc:chgData name="Robert Hugh Riddell" userId="10b8bca60ec8b3c5" providerId="LiveId" clId="{7E891DE8-2BDD-41FB-AA5F-371F2ACDF2ED}" dt="2021-08-10T23:29:21.440" v="209"/>
+        <pc:chgData name="Robert Hugh Riddell" userId="10b8bca60ec8b3c5" providerId="LiveId" clId="{7E891DE8-2BDD-41FB-AA5F-371F2ACDF2ED}" dt="2021-08-11T03:59:16.825" v="352" actId="20577"/>
         <pc:sldMkLst>
           <pc:docMk/>
           <pc:sldMk cId="4204713045" sldId="261"/>
         </pc:sldMkLst>
         <pc:spChg chg="mod">
-          <ac:chgData name="Robert Hugh Riddell" userId="10b8bca60ec8b3c5" providerId="LiveId" clId="{7E891DE8-2BDD-41FB-AA5F-371F2ACDF2ED}" dt="2021-08-10T23:29:12.177" v="207" actId="20577"/>
+          <ac:chgData name="Robert Hugh Riddell" userId="10b8bca60ec8b3c5" providerId="LiveId" clId="{7E891DE8-2BDD-41FB-AA5F-371F2ACDF2ED}" dt="2021-08-11T03:59:16.825" v="352" actId="20577"/>
           <ac:spMkLst>
             <pc:docMk/>
             <pc:sldMk cId="4204713045" sldId="261"/>
@@ -221,13 +244,13 @@
         </pc:spChg>
       </pc:sldChg>
       <pc:sldChg chg="modSp mod">
-        <pc:chgData name="Robert Hugh Riddell" userId="10b8bca60ec8b3c5" providerId="LiveId" clId="{7E891DE8-2BDD-41FB-AA5F-371F2ACDF2ED}" dt="2021-08-10T23:10:22.173" v="116" actId="20577"/>
+        <pc:chgData name="Robert Hugh Riddell" userId="10b8bca60ec8b3c5" providerId="LiveId" clId="{7E891DE8-2BDD-41FB-AA5F-371F2ACDF2ED}" dt="2021-08-11T03:57:33.640" v="333" actId="20577"/>
         <pc:sldMkLst>
           <pc:docMk/>
           <pc:sldMk cId="1426936972" sldId="262"/>
         </pc:sldMkLst>
         <pc:spChg chg="mod">
-          <ac:chgData name="Robert Hugh Riddell" userId="10b8bca60ec8b3c5" providerId="LiveId" clId="{7E891DE8-2BDD-41FB-AA5F-371F2ACDF2ED}" dt="2021-08-10T23:10:22.173" v="116" actId="20577"/>
+          <ac:chgData name="Robert Hugh Riddell" userId="10b8bca60ec8b3c5" providerId="LiveId" clId="{7E891DE8-2BDD-41FB-AA5F-371F2ACDF2ED}" dt="2021-08-11T03:57:33.640" v="333" actId="20577"/>
           <ac:spMkLst>
             <pc:docMk/>
             <pc:sldMk cId="1426936972" sldId="262"/>
@@ -236,11 +259,19 @@
         </pc:spChg>
       </pc:sldChg>
       <pc:sldChg chg="modSp mod">
-        <pc:chgData name="Robert Hugh Riddell" userId="10b8bca60ec8b3c5" providerId="LiveId" clId="{7E891DE8-2BDD-41FB-AA5F-371F2ACDF2ED}" dt="2021-08-10T23:03:50.738" v="6" actId="1076"/>
+        <pc:chgData name="Robert Hugh Riddell" userId="10b8bca60ec8b3c5" providerId="LiveId" clId="{7E891DE8-2BDD-41FB-AA5F-371F2ACDF2ED}" dt="2021-08-11T03:58:10.748" v="334" actId="20577"/>
         <pc:sldMkLst>
           <pc:docMk/>
           <pc:sldMk cId="766201651" sldId="263"/>
         </pc:sldMkLst>
+        <pc:spChg chg="mod">
+          <ac:chgData name="Robert Hugh Riddell" userId="10b8bca60ec8b3c5" providerId="LiveId" clId="{7E891DE8-2BDD-41FB-AA5F-371F2ACDF2ED}" dt="2021-08-11T03:58:10.748" v="334" actId="20577"/>
+          <ac:spMkLst>
+            <pc:docMk/>
+            <pc:sldMk cId="766201651" sldId="263"/>
+            <ac:spMk id="3" creationId="{7E9DEA4C-D4A9-46A4-B315-27A869C8755F}"/>
+          </ac:spMkLst>
+        </pc:spChg>
         <pc:graphicFrameChg chg="mod">
           <ac:chgData name="Robert Hugh Riddell" userId="10b8bca60ec8b3c5" providerId="LiveId" clId="{7E891DE8-2BDD-41FB-AA5F-371F2ACDF2ED}" dt="2021-08-10T23:03:50.738" v="6" actId="1076"/>
           <ac:graphicFrameMkLst>
@@ -4006,7 +4037,7 @@
           <a:bodyPr/>
           <a:lstStyle/>
           <a:p>
-            <a:endParaRPr lang="en-AU"/>
+            <a:endParaRPr lang="en-AU" dirty="0"/>
           </a:p>
         </p:txBody>
       </p:sp>
@@ -4091,7 +4122,7 @@
           <a:p>
             <a:r>
               <a:rPr lang="en-AU" dirty="0"/>
-              <a:t>using a the classification algorithms decision tree, random forest and logistic regression the win loss was predicted </a:t>
+              <a:t>using a the classification algorithms: decision tree, random forest and logistic regression the win loss was predicted </a:t>
             </a:r>
           </a:p>
           <a:p>
@@ -4704,7 +4735,7 @@
           <a:p>
             <a:r>
               <a:rPr lang="en-AU" dirty="0"/>
-              <a:t>Analysis of the domestic leagues the medal winning players compete in</a:t>
+              <a:t>Analysis of the domestic leagues that the medal winning players compete in</a:t>
             </a:r>
           </a:p>
           <a:p>
@@ -4723,7 +4754,7 @@
           <a:p>
             <a:r>
               <a:rPr lang="en-AU" dirty="0"/>
-              <a:t>Does Junior international success translate to senior success. </a:t>
+              <a:t>Does Junior international success translate to senior success?</a:t>
             </a:r>
           </a:p>
           <a:p>
@@ -4932,13 +4963,13 @@
           <a:p>
             <a:r>
               <a:rPr lang="en-AU" dirty="0"/>
-              <a:t>Data Scraped from Basketball Reference. Taken as player box scores then combined. </a:t>
+              <a:t>Data scraped from Basketball Reference as player box scores, then combined. </a:t>
             </a:r>
           </a:p>
           <a:p>
             <a:r>
               <a:rPr lang="en-AU" dirty="0"/>
-              <a:t>Olympic Games 2000 – 2016 containing 198 games</a:t>
+              <a:t>Olympic Games 2000 – 2016 (198 games)</a:t>
             </a:r>
           </a:p>
           <a:p>
@@ -4948,27 +4979,27 @@
             </a:r>
             <a:r>
               <a:rPr lang="en-AU" dirty="0"/>
-              <a:t> World Cup 2010,2014 and 2019 containing 248 games</a:t>
+              <a:t> World Cup 2010, 2014 and 2019 (248 games)</a:t>
             </a:r>
           </a:p>
           <a:p>
             <a:r>
               <a:rPr lang="en-AU" dirty="0"/>
-              <a:t>total of 448 games from 42 individual teams</a:t>
+              <a:t>Total of 448 games from 42 individual teams</a:t>
             </a:r>
           </a:p>
           <a:p>
             <a:pPr lvl="1"/>
             <a:r>
               <a:rPr lang="en-AU" dirty="0"/>
-              <a:t>minimum games played 5</a:t>
+              <a:t>minimum games played = 5</a:t>
             </a:r>
           </a:p>
           <a:p>
             <a:pPr lvl="1"/>
             <a:r>
               <a:rPr lang="en-AU" dirty="0"/>
-              <a:t>maximum played 66	</a:t>
+              <a:t>maximum played = 66	</a:t>
             </a:r>
           </a:p>
           <a:p>
@@ -5072,25 +5103,25 @@
           <a:p>
             <a:r>
               <a:rPr lang="en-AU" dirty="0"/>
-              <a:t>Assess the statistical similarity teams that have a top 4 finish</a:t>
+              <a:t>Assess the statistical similarity between teams that have a top 4 finish</a:t>
             </a:r>
           </a:p>
           <a:p>
             <a:r>
               <a:rPr lang="en-AU" dirty="0"/>
-              <a:t>Build multiple models to predict points scored based on statistics provided and compare</a:t>
+              <a:t>Build multiple models to predict points scored </a:t>
             </a:r>
           </a:p>
           <a:p>
             <a:r>
               <a:rPr lang="en-AU" dirty="0"/>
-              <a:t>Build multiple model to predict the outcome of the game based on statistics provided and compare</a:t>
+              <a:t>Build multiple model to predict the outcome of the game </a:t>
             </a:r>
           </a:p>
           <a:p>
             <a:r>
               <a:rPr lang="en-AU" dirty="0"/>
-              <a:t>Analyse the results and what statistics are valuable in predicting performance.</a:t>
+              <a:t>Analyse the results to determine which statistics are valuable in predicting performance</a:t>
             </a:r>
           </a:p>
           <a:p>
@@ -6916,15 +6947,7 @@
           <a:p>
             <a:r>
               <a:rPr lang="en-AU" dirty="0"/>
-              <a:t>explain the RMSE and </a:t>
-            </a:r>
-            <a:r>
-              <a:rPr lang="en-AU" dirty="0" err="1"/>
-              <a:t>Rsqaured</a:t>
-            </a:r>
-            <a:r>
-              <a:rPr lang="en-AU" dirty="0"/>
-              <a:t> values </a:t>
+              <a:t>explain the RMSE and R-squared values </a:t>
             </a:r>
           </a:p>
           <a:p>
